--- a/Documentation/Barbarian Prince Design.pptx
+++ b/Documentation/Barbarian Prince Design.pptx
@@ -25,8 +25,9 @@
     <p:sldId id="278" r:id="rId19"/>
     <p:sldId id="272" r:id="rId20"/>
     <p:sldId id="273" r:id="rId21"/>
-    <p:sldId id="274" r:id="rId22"/>
-    <p:sldId id="275" r:id="rId23"/>
+    <p:sldId id="279" r:id="rId22"/>
+    <p:sldId id="274" r:id="rId23"/>
+    <p:sldId id="275" r:id="rId24"/>
   </p:sldIdLst>
   <p:sldSz cx="12192000" cy="6858000"/>
   <p:notesSz cx="6858000" cy="9144000"/>
@@ -280,7 +281,7 @@
           <a:p>
             <a:fld id="{CD1D3655-D92B-44A0-848C-AF72CB5F4078}" type="datetimeFigureOut">
               <a:rPr lang="en-US" smtClean="0"/>
-              <a:t>5/2/2024</a:t>
+              <a:t>5/5/2024</a:t>
             </a:fld>
             <a:endParaRPr lang="en-US"/>
           </a:p>
@@ -478,7 +479,7 @@
           <a:p>
             <a:fld id="{CD1D3655-D92B-44A0-848C-AF72CB5F4078}" type="datetimeFigureOut">
               <a:rPr lang="en-US" smtClean="0"/>
-              <a:t>5/2/2024</a:t>
+              <a:t>5/5/2024</a:t>
             </a:fld>
             <a:endParaRPr lang="en-US"/>
           </a:p>
@@ -686,7 +687,7 @@
           <a:p>
             <a:fld id="{CD1D3655-D92B-44A0-848C-AF72CB5F4078}" type="datetimeFigureOut">
               <a:rPr lang="en-US" smtClean="0"/>
-              <a:t>5/2/2024</a:t>
+              <a:t>5/5/2024</a:t>
             </a:fld>
             <a:endParaRPr lang="en-US"/>
           </a:p>
@@ -884,7 +885,7 @@
           <a:p>
             <a:fld id="{CD1D3655-D92B-44A0-848C-AF72CB5F4078}" type="datetimeFigureOut">
               <a:rPr lang="en-US" smtClean="0"/>
-              <a:t>5/2/2024</a:t>
+              <a:t>5/5/2024</a:t>
             </a:fld>
             <a:endParaRPr lang="en-US"/>
           </a:p>
@@ -1159,7 +1160,7 @@
           <a:p>
             <a:fld id="{CD1D3655-D92B-44A0-848C-AF72CB5F4078}" type="datetimeFigureOut">
               <a:rPr lang="en-US" smtClean="0"/>
-              <a:t>5/2/2024</a:t>
+              <a:t>5/5/2024</a:t>
             </a:fld>
             <a:endParaRPr lang="en-US"/>
           </a:p>
@@ -1424,7 +1425,7 @@
           <a:p>
             <a:fld id="{CD1D3655-D92B-44A0-848C-AF72CB5F4078}" type="datetimeFigureOut">
               <a:rPr lang="en-US" smtClean="0"/>
-              <a:t>5/2/2024</a:t>
+              <a:t>5/5/2024</a:t>
             </a:fld>
             <a:endParaRPr lang="en-US"/>
           </a:p>
@@ -1836,7 +1837,7 @@
           <a:p>
             <a:fld id="{CD1D3655-D92B-44A0-848C-AF72CB5F4078}" type="datetimeFigureOut">
               <a:rPr lang="en-US" smtClean="0"/>
-              <a:t>5/2/2024</a:t>
+              <a:t>5/5/2024</a:t>
             </a:fld>
             <a:endParaRPr lang="en-US"/>
           </a:p>
@@ -1977,7 +1978,7 @@
           <a:p>
             <a:fld id="{CD1D3655-D92B-44A0-848C-AF72CB5F4078}" type="datetimeFigureOut">
               <a:rPr lang="en-US" smtClean="0"/>
-              <a:t>5/2/2024</a:t>
+              <a:t>5/5/2024</a:t>
             </a:fld>
             <a:endParaRPr lang="en-US"/>
           </a:p>
@@ -2090,7 +2091,7 @@
           <a:p>
             <a:fld id="{CD1D3655-D92B-44A0-848C-AF72CB5F4078}" type="datetimeFigureOut">
               <a:rPr lang="en-US" smtClean="0"/>
-              <a:t>5/2/2024</a:t>
+              <a:t>5/5/2024</a:t>
             </a:fld>
             <a:endParaRPr lang="en-US"/>
           </a:p>
@@ -2401,7 +2402,7 @@
           <a:p>
             <a:fld id="{CD1D3655-D92B-44A0-848C-AF72CB5F4078}" type="datetimeFigureOut">
               <a:rPr lang="en-US" smtClean="0"/>
-              <a:t>5/2/2024</a:t>
+              <a:t>5/5/2024</a:t>
             </a:fld>
             <a:endParaRPr lang="en-US"/>
           </a:p>
@@ -2689,7 +2690,7 @@
           <a:p>
             <a:fld id="{CD1D3655-D92B-44A0-848C-AF72CB5F4078}" type="datetimeFigureOut">
               <a:rPr lang="en-US" smtClean="0"/>
-              <a:t>5/2/2024</a:t>
+              <a:t>5/5/2024</a:t>
             </a:fld>
             <a:endParaRPr lang="en-US"/>
           </a:p>
@@ -2930,7 +2931,7 @@
           <a:p>
             <a:fld id="{CD1D3655-D92B-44A0-848C-AF72CB5F4078}" type="datetimeFigureOut">
               <a:rPr lang="en-US" smtClean="0"/>
-              <a:t>5/2/2024</a:t>
+              <a:t>5/5/2024</a:t>
             </a:fld>
             <a:endParaRPr lang="en-US"/>
           </a:p>
@@ -5861,7 +5862,7 @@
           <a:p>
             <a:r>
               <a:rPr lang="en-US" dirty="0"/>
-              <a:t>Unit Testing</a:t>
+              <a:t>Testing</a:t>
             </a:r>
           </a:p>
         </p:txBody>
@@ -6099,17 +6100,17 @@
           <a:p>
             <a:r>
               <a:rPr lang="en-US" dirty="0"/>
-              <a:t>Unit Testing</a:t>
+              <a:t>Logging</a:t>
             </a:r>
           </a:p>
         </p:txBody>
       </p:sp>
       <p:pic>
         <p:nvPicPr>
-          <p:cNvPr id="9" name="Picture 8">
-            <a:extLst>
-              <a:ext uri="{FF2B5EF4-FFF2-40B4-BE49-F238E27FC236}">
-                <a16:creationId xmlns:a16="http://schemas.microsoft.com/office/drawing/2014/main" id="{D0A6FEA3-9713-DD1D-21E6-86F324E54366}"/>
+          <p:cNvPr id="4" name="Picture 3">
+            <a:extLst>
+              <a:ext uri="{FF2B5EF4-FFF2-40B4-BE49-F238E27FC236}">
+                <a16:creationId xmlns:a16="http://schemas.microsoft.com/office/drawing/2014/main" id="{763A415B-7C86-16BD-ED0C-F39CFA723011}"/>
               </a:ext>
             </a:extLst>
           </p:cNvPr>
@@ -6126,8 +6127,8 @@
         </p:blipFill>
         <p:spPr>
           <a:xfrm>
-            <a:off x="657225" y="1113126"/>
-            <a:ext cx="2343150" cy="3800475"/>
+            <a:off x="573645" y="1137663"/>
+            <a:ext cx="4753638" cy="2772162"/>
           </a:xfrm>
           <a:prstGeom prst="rect">
             <a:avLst/>
@@ -6136,10 +6137,10 @@
       </p:pic>
       <p:sp>
         <p:nvSpPr>
-          <p:cNvPr id="10" name="TextBox 9">
-            <a:extLst>
-              <a:ext uri="{FF2B5EF4-FFF2-40B4-BE49-F238E27FC236}">
-                <a16:creationId xmlns:a16="http://schemas.microsoft.com/office/drawing/2014/main" id="{F3072C0E-DB35-93AD-0530-F95D9BB69D78}"/>
+          <p:cNvPr id="5" name="TextBox 4">
+            <a:extLst>
+              <a:ext uri="{FF2B5EF4-FFF2-40B4-BE49-F238E27FC236}">
+                <a16:creationId xmlns:a16="http://schemas.microsoft.com/office/drawing/2014/main" id="{DABE4689-00B6-E685-6C78-7226EEC4C55D}"/>
               </a:ext>
             </a:extLst>
           </p:cNvPr>
@@ -6148,8 +6149,8 @@
         </p:nvSpPr>
         <p:spPr>
           <a:xfrm>
-            <a:off x="389370" y="5029997"/>
-            <a:ext cx="4190458" cy="992579"/>
+            <a:off x="1865717" y="1137663"/>
+            <a:ext cx="1937217" cy="307777"/>
           </a:xfrm>
           <a:prstGeom prst="rect">
             <a:avLst/>
@@ -6162,75 +6163,24 @@
           </a:bodyPr>
           <a:lstStyle/>
           <a:p>
-            <a:r>
-              <a:rPr lang="en-US" sz="1200" u="sng" dirty="0"/>
-              <a:t>Goals:</a:t>
-            </a:r>
-          </a:p>
-          <a:p>
-            <a:pPr marL="171450" indent="-171450">
-              <a:buFont typeface="Arial" panose="020B0604020202020204" pitchFamily="34" charset="0"/>
-              <a:buChar char="•"/>
-            </a:pPr>
-            <a:r>
-              <a:rPr lang="en-US" sz="1200" dirty="0"/>
-              <a:t>Test Creation of Territories, Graphical Objects, </a:t>
-            </a:r>
-            <a:r>
-              <a:rPr lang="en-US" sz="1200" dirty="0" err="1"/>
-              <a:t>MapItems</a:t>
-            </a:r>
-            <a:r>
-              <a:rPr lang="en-US" sz="1200" dirty="0"/>
-              <a:t>, </a:t>
-            </a:r>
-            <a:r>
-              <a:rPr lang="en-US" sz="1200" dirty="0" err="1"/>
-              <a:t>MapItem</a:t>
-            </a:r>
-            <a:r>
-              <a:rPr lang="en-US" sz="1200" dirty="0"/>
-              <a:t> Moves, </a:t>
-            </a:r>
-            <a:r>
-              <a:rPr lang="en-US" sz="1200" dirty="0" err="1"/>
-              <a:t>etc</a:t>
-            </a:r>
-            <a:endParaRPr lang="en-US" sz="1200" dirty="0"/>
-          </a:p>
-          <a:p>
-            <a:pPr marL="171450" indent="-171450">
-              <a:buFont typeface="Arial" panose="020B0604020202020204" pitchFamily="34" charset="0"/>
-              <a:buChar char="•"/>
-            </a:pPr>
-            <a:r>
-              <a:rPr lang="en-US" sz="1200" dirty="0"/>
-              <a:t>Test </a:t>
-            </a:r>
-            <a:r>
-              <a:rPr lang="en-US" sz="1200" dirty="0" err="1"/>
-              <a:t>EventViewer</a:t>
-            </a:r>
-            <a:r>
-              <a:rPr lang="en-US" sz="1200" dirty="0"/>
-              <a:t> objects</a:t>
-            </a:r>
-          </a:p>
-          <a:p>
-            <a:pPr marL="171450" indent="-171450">
-              <a:buFont typeface="Arial" panose="020B0604020202020204" pitchFamily="34" charset="0"/>
-              <a:buChar char="•"/>
-            </a:pPr>
-            <a:endParaRPr lang="en-US" sz="1050" dirty="0"/>
+            <a:pPr algn="ctr"/>
+            <a:r>
+              <a:rPr lang="en-US" sz="1400" b="1" dirty="0">
+                <a:solidFill>
+                  <a:srgbClr val="FF0000"/>
+                </a:solidFill>
+              </a:rPr>
+              <a:t>Logger Class</a:t>
+            </a:r>
           </a:p>
         </p:txBody>
       </p:sp>
       <p:pic>
         <p:nvPicPr>
-          <p:cNvPr id="12" name="Picture 11">
-            <a:extLst>
-              <a:ext uri="{FF2B5EF4-FFF2-40B4-BE49-F238E27FC236}">
-                <a16:creationId xmlns:a16="http://schemas.microsoft.com/office/drawing/2014/main" id="{D6C795CB-70DD-1D12-253E-5CD1E8B15C7D}"/>
+          <p:cNvPr id="7" name="Picture 6">
+            <a:extLst>
+              <a:ext uri="{FF2B5EF4-FFF2-40B4-BE49-F238E27FC236}">
+                <a16:creationId xmlns:a16="http://schemas.microsoft.com/office/drawing/2014/main" id="{D84C8C67-745C-9A3C-8CF7-0D4048D3F0CA}"/>
               </a:ext>
             </a:extLst>
           </p:cNvPr>
@@ -6247,8 +6197,8 @@
         </p:blipFill>
         <p:spPr>
           <a:xfrm>
-            <a:off x="5511223" y="2996327"/>
-            <a:ext cx="4445577" cy="2777624"/>
+            <a:off x="6864719" y="1027470"/>
+            <a:ext cx="3972479" cy="4972744"/>
           </a:xfrm>
           <a:prstGeom prst="rect">
             <a:avLst/>
@@ -6257,10 +6207,10 @@
       </p:pic>
       <p:sp>
         <p:nvSpPr>
-          <p:cNvPr id="13" name="TextBox 12">
-            <a:extLst>
-              <a:ext uri="{FF2B5EF4-FFF2-40B4-BE49-F238E27FC236}">
-                <a16:creationId xmlns:a16="http://schemas.microsoft.com/office/drawing/2014/main" id="{A210D4AF-A165-8621-7CF7-0B3A9FE845AD}"/>
+          <p:cNvPr id="8" name="TextBox 7">
+            <a:extLst>
+              <a:ext uri="{FF2B5EF4-FFF2-40B4-BE49-F238E27FC236}">
+                <a16:creationId xmlns:a16="http://schemas.microsoft.com/office/drawing/2014/main" id="{C52C781E-AE85-01D2-CC64-7936D53C2FD0}"/>
               </a:ext>
             </a:extLst>
           </p:cNvPr>
@@ -6269,8 +6219,8 @@
         </p:nvSpPr>
         <p:spPr>
           <a:xfrm>
-            <a:off x="5391150" y="5869626"/>
-            <a:ext cx="5600123" cy="623248"/>
+            <a:off x="9333318" y="1183830"/>
+            <a:ext cx="2421907" cy="523220"/>
           </a:xfrm>
           <a:prstGeom prst="rect">
             <a:avLst/>
@@ -6283,160 +6233,132 @@
           </a:bodyPr>
           <a:lstStyle/>
           <a:p>
-            <a:pPr marL="171450" indent="-171450">
-              <a:buFont typeface="Arial" panose="020B0604020202020204" pitchFamily="34" charset="0"/>
-              <a:buChar char="•"/>
-            </a:pPr>
-            <a:r>
-              <a:rPr lang="en-US" sz="1200" dirty="0" err="1"/>
-              <a:t>GameEngine</a:t>
-            </a:r>
-            <a:r>
-              <a:rPr lang="en-US" sz="1200" dirty="0"/>
-              <a:t>-&gt;</a:t>
-            </a:r>
-            <a:r>
-              <a:rPr lang="en-US" sz="1200" dirty="0" err="1"/>
-              <a:t>CreateUnitTests</a:t>
-            </a:r>
-            <a:r>
-              <a:rPr lang="en-US" sz="1200" dirty="0"/>
-              <a:t>() active with UT1 compile directive</a:t>
-            </a:r>
-          </a:p>
-          <a:p>
-            <a:pPr marL="171450" indent="-171450">
-              <a:buFont typeface="Arial" panose="020B0604020202020204" pitchFamily="34" charset="0"/>
-              <a:buChar char="•"/>
-            </a:pPr>
-            <a:r>
-              <a:rPr lang="en-US" sz="1200" dirty="0"/>
-              <a:t>Steps through all unit tests</a:t>
-            </a:r>
-          </a:p>
-          <a:p>
-            <a:pPr marL="171450" indent="-171450">
-              <a:buFont typeface="Arial" panose="020B0604020202020204" pitchFamily="34" charset="0"/>
-              <a:buChar char="•"/>
-            </a:pPr>
-            <a:endParaRPr lang="en-US" sz="1050" dirty="0"/>
-          </a:p>
-        </p:txBody>
-      </p:sp>
-      <p:cxnSp>
-        <p:nvCxnSpPr>
-          <p:cNvPr id="15" name="Straight Arrow Connector 14">
-            <a:extLst>
-              <a:ext uri="{FF2B5EF4-FFF2-40B4-BE49-F238E27FC236}">
-                <a16:creationId xmlns:a16="http://schemas.microsoft.com/office/drawing/2014/main" id="{3B709745-5978-4548-1285-5F8A448BE31E}"/>
-              </a:ext>
-            </a:extLst>
-          </p:cNvPr>
-          <p:cNvCxnSpPr/>
+            <a:pPr algn="ctr"/>
+            <a:r>
+              <a:rPr lang="en-US" sz="1400" b="1" dirty="0">
+                <a:solidFill>
+                  <a:srgbClr val="FF0000"/>
+                </a:solidFill>
+              </a:rPr>
+              <a:t>Logging turned on in </a:t>
+            </a:r>
+            <a:r>
+              <a:rPr lang="en-US" sz="1400" b="1" dirty="0" err="1">
+                <a:solidFill>
+                  <a:srgbClr val="FF0000"/>
+                </a:solidFill>
+              </a:rPr>
+              <a:t>GameInstance</a:t>
+            </a:r>
+            <a:r>
+              <a:rPr lang="en-US" sz="1400" b="1" dirty="0">
+                <a:solidFill>
+                  <a:srgbClr val="FF0000"/>
+                </a:solidFill>
+              </a:rPr>
+              <a:t> constructor</a:t>
+            </a:r>
+          </a:p>
+        </p:txBody>
+      </p:sp>
+      <p:sp>
+        <p:nvSpPr>
+          <p:cNvPr id="11" name="Arrow: Right 10">
+            <a:extLst>
+              <a:ext uri="{FF2B5EF4-FFF2-40B4-BE49-F238E27FC236}">
+                <a16:creationId xmlns:a16="http://schemas.microsoft.com/office/drawing/2014/main" id="{E4D8054C-F222-484E-90BE-FEE904701616}"/>
+              </a:ext>
+            </a:extLst>
+          </p:cNvPr>
+          <p:cNvSpPr/>
           <p:nvPr/>
-        </p:nvCxnSpPr>
-        <p:spPr>
-          <a:xfrm flipH="1">
-            <a:off x="2752436" y="3429000"/>
-            <a:ext cx="2918691" cy="127000"/>
-          </a:xfrm>
-          <a:prstGeom prst="straightConnector1">
-            <a:avLst/>
-          </a:prstGeom>
-          <a:ln>
-            <a:solidFill>
-              <a:srgbClr val="FF0000"/>
-            </a:solidFill>
-            <a:tailEnd type="triangle"/>
-          </a:ln>
+        </p:nvSpPr>
+        <p:spPr>
+          <a:xfrm>
+            <a:off x="5599522" y="2036190"/>
+            <a:ext cx="1065229" cy="254523"/>
+          </a:xfrm>
+          <a:prstGeom prst="rightArrow">
+            <a:avLst/>
+          </a:prstGeom>
         </p:spPr>
         <p:style>
-          <a:lnRef idx="1">
-            <a:schemeClr val="accent1"/>
+          <a:lnRef idx="2">
+            <a:schemeClr val="accent1">
+              <a:shade val="15000"/>
+            </a:schemeClr>
           </a:lnRef>
-          <a:fillRef idx="0">
+          <a:fillRef idx="1">
             <a:schemeClr val="accent1"/>
           </a:fillRef>
           <a:effectRef idx="0">
             <a:schemeClr val="accent1"/>
           </a:effectRef>
           <a:fontRef idx="minor">
-            <a:schemeClr val="tx1"/>
+            <a:schemeClr val="lt1"/>
           </a:fontRef>
         </p:style>
-      </p:cxnSp>
-      <p:sp>
-        <p:nvSpPr>
-          <p:cNvPr id="18" name="TextBox 17">
-            <a:extLst>
-              <a:ext uri="{FF2B5EF4-FFF2-40B4-BE49-F238E27FC236}">
-                <a16:creationId xmlns:a16="http://schemas.microsoft.com/office/drawing/2014/main" id="{5B9E9BAB-0F97-49EE-0D05-2F5D322B8F04}"/>
-              </a:ext>
-            </a:extLst>
-          </p:cNvPr>
-          <p:cNvSpPr txBox="1"/>
+        <p:txBody>
+          <a:bodyPr rtlCol="0" anchor="ctr"/>
+          <a:lstStyle/>
+          <a:p>
+            <a:pPr algn="ctr"/>
+            <a:endParaRPr lang="en-US"/>
+          </a:p>
+        </p:txBody>
+      </p:sp>
+      <p:sp>
+        <p:nvSpPr>
+          <p:cNvPr id="14" name="Arrow: Right 13">
+            <a:extLst>
+              <a:ext uri="{FF2B5EF4-FFF2-40B4-BE49-F238E27FC236}">
+                <a16:creationId xmlns:a16="http://schemas.microsoft.com/office/drawing/2014/main" id="{A2FA2485-8CB2-0A37-CD9F-4447F676BE40}"/>
+              </a:ext>
+            </a:extLst>
+          </p:cNvPr>
+          <p:cNvSpPr/>
           <p:nvPr/>
         </p:nvSpPr>
         <p:spPr>
-          <a:xfrm>
-            <a:off x="9038139" y="1031601"/>
-            <a:ext cx="2745371" cy="1731243"/>
-          </a:xfrm>
-          <a:prstGeom prst="rect">
-            <a:avLst/>
-          </a:prstGeom>
-          <a:noFill/>
-        </p:spPr>
-        <p:txBody>
-          <a:bodyPr wrap="square" rtlCol="0">
-            <a:spAutoFit/>
-          </a:bodyPr>
-          <a:lstStyle/>
-          <a:p>
-            <a:pPr marL="171450" indent="-171450">
-              <a:buFont typeface="Arial" panose="020B0604020202020204" pitchFamily="34" charset="0"/>
-              <a:buChar char="•"/>
-            </a:pPr>
-            <a:r>
-              <a:rPr lang="en-US" sz="1200" dirty="0"/>
-              <a:t>UT1 compile directive creates unit test environment that specifically steps through all defined unit tests.</a:t>
-            </a:r>
-          </a:p>
-          <a:p>
-            <a:pPr marL="171450" indent="-171450">
-              <a:buFont typeface="Arial" panose="020B0604020202020204" pitchFamily="34" charset="0"/>
-              <a:buChar char="•"/>
-            </a:pPr>
-            <a:r>
-              <a:rPr lang="en-US" sz="1200" dirty="0"/>
-              <a:t>Game running environment is disabled and only the unit test framework is used</a:t>
-            </a:r>
-          </a:p>
-          <a:p>
-            <a:pPr marL="171450" indent="-171450">
-              <a:buFont typeface="Arial" panose="020B0604020202020204" pitchFamily="34" charset="0"/>
-              <a:buChar char="•"/>
-            </a:pPr>
-            <a:r>
-              <a:rPr lang="en-US" sz="1200" dirty="0"/>
-              <a:t>Requires knowledge of game to understand unit tests</a:t>
-            </a:r>
-          </a:p>
-          <a:p>
-            <a:pPr marL="171450" indent="-171450">
-              <a:buFont typeface="Arial" panose="020B0604020202020204" pitchFamily="34" charset="0"/>
-              <a:buChar char="•"/>
-            </a:pPr>
-            <a:endParaRPr lang="en-US" sz="1050" dirty="0"/>
+          <a:xfrm rot="10800000">
+            <a:off x="5699506" y="5352414"/>
+            <a:ext cx="1065229" cy="254523"/>
+          </a:xfrm>
+          <a:prstGeom prst="rightArrow">
+            <a:avLst/>
+          </a:prstGeom>
+        </p:spPr>
+        <p:style>
+          <a:lnRef idx="2">
+            <a:schemeClr val="accent1">
+              <a:shade val="15000"/>
+            </a:schemeClr>
+          </a:lnRef>
+          <a:fillRef idx="1">
+            <a:schemeClr val="accent1"/>
+          </a:fillRef>
+          <a:effectRef idx="0">
+            <a:schemeClr val="accent1"/>
+          </a:effectRef>
+          <a:fontRef idx="minor">
+            <a:schemeClr val="lt1"/>
+          </a:fontRef>
+        </p:style>
+        <p:txBody>
+          <a:bodyPr rtlCol="0" anchor="ctr"/>
+          <a:lstStyle/>
+          <a:p>
+            <a:pPr algn="ctr"/>
+            <a:endParaRPr lang="en-US"/>
           </a:p>
         </p:txBody>
       </p:sp>
       <p:pic>
         <p:nvPicPr>
-          <p:cNvPr id="20" name="Picture 19">
-            <a:extLst>
-              <a:ext uri="{FF2B5EF4-FFF2-40B4-BE49-F238E27FC236}">
-                <a16:creationId xmlns:a16="http://schemas.microsoft.com/office/drawing/2014/main" id="{84EBAF1C-5C85-C6A4-0575-CB3EFAC76224}"/>
+          <p:cNvPr id="17" name="Picture 16">
+            <a:extLst>
+              <a:ext uri="{FF2B5EF4-FFF2-40B4-BE49-F238E27FC236}">
+                <a16:creationId xmlns:a16="http://schemas.microsoft.com/office/drawing/2014/main" id="{6783656B-1805-BB86-D363-984B868DD1EE}"/>
               </a:ext>
             </a:extLst>
           </p:cNvPr>
@@ -6453,14 +6375,107 @@
         </p:blipFill>
         <p:spPr>
           <a:xfrm>
-            <a:off x="4773792" y="794688"/>
-            <a:ext cx="4133850" cy="1476375"/>
+            <a:off x="283829" y="4931017"/>
+            <a:ext cx="5315692" cy="1019317"/>
           </a:xfrm>
           <a:prstGeom prst="rect">
             <a:avLst/>
           </a:prstGeom>
         </p:spPr>
       </p:pic>
+      <p:sp>
+        <p:nvSpPr>
+          <p:cNvPr id="19" name="TextBox 18">
+            <a:extLst>
+              <a:ext uri="{FF2B5EF4-FFF2-40B4-BE49-F238E27FC236}">
+                <a16:creationId xmlns:a16="http://schemas.microsoft.com/office/drawing/2014/main" id="{3648B829-AD17-5ABB-2EA9-AF370A23F35F}"/>
+              </a:ext>
+            </a:extLst>
+          </p:cNvPr>
+          <p:cNvSpPr txBox="1"/>
+          <p:nvPr/>
+        </p:nvSpPr>
+        <p:spPr>
+          <a:xfrm>
+            <a:off x="2298534" y="4988129"/>
+            <a:ext cx="2421907" cy="307777"/>
+          </a:xfrm>
+          <a:prstGeom prst="rect">
+            <a:avLst/>
+          </a:prstGeom>
+          <a:noFill/>
+        </p:spPr>
+        <p:txBody>
+          <a:bodyPr wrap="square" rtlCol="0">
+            <a:spAutoFit/>
+          </a:bodyPr>
+          <a:lstStyle/>
+          <a:p>
+            <a:pPr algn="ctr"/>
+            <a:r>
+              <a:rPr lang="en-US" sz="1400" b="1" dirty="0">
+                <a:solidFill>
+                  <a:srgbClr val="FF0000"/>
+                </a:solidFill>
+              </a:rPr>
+              <a:t>Example how to use logging</a:t>
+            </a:r>
+          </a:p>
+        </p:txBody>
+      </p:sp>
+      <p:sp>
+        <p:nvSpPr>
+          <p:cNvPr id="21" name="Rectangle 20">
+            <a:extLst>
+              <a:ext uri="{FF2B5EF4-FFF2-40B4-BE49-F238E27FC236}">
+                <a16:creationId xmlns:a16="http://schemas.microsoft.com/office/drawing/2014/main" id="{59AAB050-9149-E653-4FFB-85D95C71CE5B}"/>
+              </a:ext>
+            </a:extLst>
+          </p:cNvPr>
+          <p:cNvSpPr/>
+          <p:nvPr/>
+        </p:nvSpPr>
+        <p:spPr>
+          <a:xfrm>
+            <a:off x="573645" y="5352414"/>
+            <a:ext cx="4912755" cy="254524"/>
+          </a:xfrm>
+          <a:prstGeom prst="rect">
+            <a:avLst/>
+          </a:prstGeom>
+          <a:noFill/>
+          <a:ln w="28575">
+            <a:solidFill>
+              <a:srgbClr val="FF0000"/>
+            </a:solidFill>
+            <a:prstDash val="dash"/>
+          </a:ln>
+        </p:spPr>
+        <p:style>
+          <a:lnRef idx="2">
+            <a:schemeClr val="accent1">
+              <a:shade val="15000"/>
+            </a:schemeClr>
+          </a:lnRef>
+          <a:fillRef idx="1">
+            <a:schemeClr val="accent1"/>
+          </a:fillRef>
+          <a:effectRef idx="0">
+            <a:schemeClr val="accent1"/>
+          </a:effectRef>
+          <a:fontRef idx="minor">
+            <a:schemeClr val="lt1"/>
+          </a:fontRef>
+        </p:style>
+        <p:txBody>
+          <a:bodyPr rtlCol="0" anchor="ctr"/>
+          <a:lstStyle/>
+          <a:p>
+            <a:pPr algn="ctr"/>
+            <a:endParaRPr lang="en-US"/>
+          </a:p>
+        </p:txBody>
+      </p:sp>
     </p:spTree>
     <p:extLst>
       <p:ext uri="{BB962C8B-B14F-4D97-AF65-F5344CB8AC3E}">
@@ -6491,12 +6506,47 @@
           <a:chExt cx="0" cy="0"/>
         </a:xfrm>
       </p:grpSpPr>
+      <p:sp>
+        <p:nvSpPr>
+          <p:cNvPr id="2" name="Title 1">
+            <a:extLst>
+              <a:ext uri="{FF2B5EF4-FFF2-40B4-BE49-F238E27FC236}">
+                <a16:creationId xmlns:a16="http://schemas.microsoft.com/office/drawing/2014/main" id="{A6645566-D741-F097-9EF0-B349F35D54C8}"/>
+              </a:ext>
+            </a:extLst>
+          </p:cNvPr>
+          <p:cNvSpPr>
+            <a:spLocks noGrp="1"/>
+          </p:cNvSpPr>
+          <p:nvPr>
+            <p:ph type="title"/>
+          </p:nvPr>
+        </p:nvSpPr>
+        <p:spPr>
+          <a:xfrm>
+            <a:off x="838200" y="365126"/>
+            <a:ext cx="10515600" cy="466148"/>
+          </a:xfrm>
+        </p:spPr>
+        <p:txBody>
+          <a:bodyPr>
+            <a:normAutofit fontScale="90000"/>
+          </a:bodyPr>
+          <a:lstStyle/>
+          <a:p>
+            <a:r>
+              <a:rPr lang="en-US" dirty="0"/>
+              <a:t>Unit Testing</a:t>
+            </a:r>
+          </a:p>
+        </p:txBody>
+      </p:sp>
       <p:pic>
         <p:nvPicPr>
-          <p:cNvPr id="4" name="Picture 3">
-            <a:extLst>
-              <a:ext uri="{FF2B5EF4-FFF2-40B4-BE49-F238E27FC236}">
-                <a16:creationId xmlns:a16="http://schemas.microsoft.com/office/drawing/2014/main" id="{2F32DD03-C2BF-2FB7-E4F6-39EBC257801A}"/>
+          <p:cNvPr id="9" name="Picture 8">
+            <a:extLst>
+              <a:ext uri="{FF2B5EF4-FFF2-40B4-BE49-F238E27FC236}">
+                <a16:creationId xmlns:a16="http://schemas.microsoft.com/office/drawing/2014/main" id="{D0A6FEA3-9713-DD1D-21E6-86F324E54366}"/>
               </a:ext>
             </a:extLst>
           </p:cNvPr>
@@ -6513,49 +6563,14 @@
         </p:blipFill>
         <p:spPr>
           <a:xfrm>
-            <a:off x="408490" y="831274"/>
-            <a:ext cx="4171950" cy="1562100"/>
+            <a:off x="657225" y="1113126"/>
+            <a:ext cx="2343150" cy="3800475"/>
           </a:xfrm>
           <a:prstGeom prst="rect">
             <a:avLst/>
           </a:prstGeom>
         </p:spPr>
       </p:pic>
-      <p:sp>
-        <p:nvSpPr>
-          <p:cNvPr id="2" name="Title 1">
-            <a:extLst>
-              <a:ext uri="{FF2B5EF4-FFF2-40B4-BE49-F238E27FC236}">
-                <a16:creationId xmlns:a16="http://schemas.microsoft.com/office/drawing/2014/main" id="{A6645566-D741-F097-9EF0-B349F35D54C8}"/>
-              </a:ext>
-            </a:extLst>
-          </p:cNvPr>
-          <p:cNvSpPr>
-            <a:spLocks noGrp="1"/>
-          </p:cNvSpPr>
-          <p:nvPr>
-            <p:ph type="title"/>
-          </p:nvPr>
-        </p:nvSpPr>
-        <p:spPr>
-          <a:xfrm>
-            <a:off x="838200" y="365126"/>
-            <a:ext cx="10515600" cy="466148"/>
-          </a:xfrm>
-        </p:spPr>
-        <p:txBody>
-          <a:bodyPr>
-            <a:normAutofit fontScale="90000"/>
-          </a:bodyPr>
-          <a:lstStyle/>
-          <a:p>
-            <a:r>
-              <a:rPr lang="en-US" dirty="0"/>
-              <a:t>Unit Testing</a:t>
-            </a:r>
-          </a:p>
-        </p:txBody>
-      </p:sp>
       <p:sp>
         <p:nvSpPr>
           <p:cNvPr id="10" name="TextBox 9">
@@ -6570,8 +6585,8 @@
         </p:nvSpPr>
         <p:spPr>
           <a:xfrm>
-            <a:off x="2395626" y="2803771"/>
-            <a:ext cx="3397539" cy="992579"/>
+            <a:off x="389370" y="5029997"/>
+            <a:ext cx="4190458" cy="992579"/>
           </a:xfrm>
           <a:prstGeom prst="rect">
             <a:avLst/>
@@ -6583,6 +6598,12 @@
             <a:spAutoFit/>
           </a:bodyPr>
           <a:lstStyle/>
+          <a:p>
+            <a:r>
+              <a:rPr lang="en-US" sz="1200" u="sng" dirty="0"/>
+              <a:t>Goals:</a:t>
+            </a:r>
+          </a:p>
           <a:p>
             <a:pPr marL="171450" indent="-171450">
               <a:buFont typeface="Arial" panose="020B0604020202020204" pitchFamily="34" charset="0"/>
@@ -6590,23 +6611,46 @@
             </a:pPr>
             <a:r>
               <a:rPr lang="en-US" sz="1200" dirty="0"/>
-              <a:t>Turns on </a:t>
+              <a:t>Test Creation of Territories, Graphical Objects, </a:t>
             </a:r>
             <a:r>
               <a:rPr lang="en-US" sz="1200" dirty="0" err="1"/>
-              <a:t>AddUnitTests</a:t>
+              <a:t>MapItems</a:t>
             </a:r>
             <a:r>
               <a:rPr lang="en-US" sz="1200" dirty="0"/>
-              <a:t>() during </a:t>
+              <a:t>, </a:t>
             </a:r>
             <a:r>
               <a:rPr lang="en-US" sz="1200" dirty="0" err="1"/>
-              <a:t>IGameInstance</a:t>
+              <a:t>MapItem</a:t>
             </a:r>
             <a:r>
               <a:rPr lang="en-US" sz="1200" dirty="0"/>
-              <a:t> construction where specific game state can be setup for testing in the game running environment</a:t>
+              <a:t> Moves, </a:t>
+            </a:r>
+            <a:r>
+              <a:rPr lang="en-US" sz="1200" dirty="0" err="1"/>
+              <a:t>etc</a:t>
+            </a:r>
+            <a:endParaRPr lang="en-US" sz="1200" dirty="0"/>
+          </a:p>
+          <a:p>
+            <a:pPr marL="171450" indent="-171450">
+              <a:buFont typeface="Arial" panose="020B0604020202020204" pitchFamily="34" charset="0"/>
+              <a:buChar char="•"/>
+            </a:pPr>
+            <a:r>
+              <a:rPr lang="en-US" sz="1200" dirty="0"/>
+              <a:t>Test </a:t>
+            </a:r>
+            <a:r>
+              <a:rPr lang="en-US" sz="1200" dirty="0" err="1"/>
+              <a:t>EventViewer</a:t>
+            </a:r>
+            <a:r>
+              <a:rPr lang="en-US" sz="1200" dirty="0"/>
+              <a:t> objects</a:t>
             </a:r>
           </a:p>
           <a:p>
@@ -6618,6 +6662,104 @@
           </a:p>
         </p:txBody>
       </p:sp>
+      <p:pic>
+        <p:nvPicPr>
+          <p:cNvPr id="12" name="Picture 11">
+            <a:extLst>
+              <a:ext uri="{FF2B5EF4-FFF2-40B4-BE49-F238E27FC236}">
+                <a16:creationId xmlns:a16="http://schemas.microsoft.com/office/drawing/2014/main" id="{D6C795CB-70DD-1D12-253E-5CD1E8B15C7D}"/>
+              </a:ext>
+            </a:extLst>
+          </p:cNvPr>
+          <p:cNvPicPr>
+            <a:picLocks noChangeAspect="1"/>
+          </p:cNvPicPr>
+          <p:nvPr/>
+        </p:nvPicPr>
+        <p:blipFill>
+          <a:blip r:embed="rId3"/>
+          <a:stretch>
+            <a:fillRect/>
+          </a:stretch>
+        </p:blipFill>
+        <p:spPr>
+          <a:xfrm>
+            <a:off x="5511223" y="2996327"/>
+            <a:ext cx="4445577" cy="2777624"/>
+          </a:xfrm>
+          <a:prstGeom prst="rect">
+            <a:avLst/>
+          </a:prstGeom>
+        </p:spPr>
+      </p:pic>
+      <p:sp>
+        <p:nvSpPr>
+          <p:cNvPr id="13" name="TextBox 12">
+            <a:extLst>
+              <a:ext uri="{FF2B5EF4-FFF2-40B4-BE49-F238E27FC236}">
+                <a16:creationId xmlns:a16="http://schemas.microsoft.com/office/drawing/2014/main" id="{A210D4AF-A165-8621-7CF7-0B3A9FE845AD}"/>
+              </a:ext>
+            </a:extLst>
+          </p:cNvPr>
+          <p:cNvSpPr txBox="1"/>
+          <p:nvPr/>
+        </p:nvSpPr>
+        <p:spPr>
+          <a:xfrm>
+            <a:off x="5391150" y="5869626"/>
+            <a:ext cx="5600123" cy="623248"/>
+          </a:xfrm>
+          <a:prstGeom prst="rect">
+            <a:avLst/>
+          </a:prstGeom>
+          <a:noFill/>
+        </p:spPr>
+        <p:txBody>
+          <a:bodyPr wrap="square" rtlCol="0">
+            <a:spAutoFit/>
+          </a:bodyPr>
+          <a:lstStyle/>
+          <a:p>
+            <a:pPr marL="171450" indent="-171450">
+              <a:buFont typeface="Arial" panose="020B0604020202020204" pitchFamily="34" charset="0"/>
+              <a:buChar char="•"/>
+            </a:pPr>
+            <a:r>
+              <a:rPr lang="en-US" sz="1200" dirty="0" err="1"/>
+              <a:t>GameEngine</a:t>
+            </a:r>
+            <a:r>
+              <a:rPr lang="en-US" sz="1200" dirty="0"/>
+              <a:t>-&gt;</a:t>
+            </a:r>
+            <a:r>
+              <a:rPr lang="en-US" sz="1200" dirty="0" err="1"/>
+              <a:t>CreateUnitTests</a:t>
+            </a:r>
+            <a:r>
+              <a:rPr lang="en-US" sz="1200" dirty="0"/>
+              <a:t>() active with UT1 compile directive</a:t>
+            </a:r>
+          </a:p>
+          <a:p>
+            <a:pPr marL="171450" indent="-171450">
+              <a:buFont typeface="Arial" panose="020B0604020202020204" pitchFamily="34" charset="0"/>
+              <a:buChar char="•"/>
+            </a:pPr>
+            <a:r>
+              <a:rPr lang="en-US" sz="1200" dirty="0"/>
+              <a:t>Steps through all unit tests</a:t>
+            </a:r>
+          </a:p>
+          <a:p>
+            <a:pPr marL="171450" indent="-171450">
+              <a:buFont typeface="Arial" panose="020B0604020202020204" pitchFamily="34" charset="0"/>
+              <a:buChar char="•"/>
+            </a:pPr>
+            <a:endParaRPr lang="en-US" sz="1050" dirty="0"/>
+          </a:p>
+        </p:txBody>
+      </p:sp>
       <p:cxnSp>
         <p:nvCxnSpPr>
           <p:cNvPr id="15" name="Straight Arrow Connector 14">
@@ -6627,15 +6769,13 @@
               </a:ext>
             </a:extLst>
           </p:cNvPr>
-          <p:cNvCxnSpPr>
-            <a:cxnSpLocks/>
-          </p:cNvCxnSpPr>
+          <p:cNvCxnSpPr/>
           <p:nvPr/>
         </p:nvCxnSpPr>
         <p:spPr>
-          <a:xfrm>
-            <a:off x="4392891" y="2110349"/>
-            <a:ext cx="2005945" cy="1094764"/>
+          <a:xfrm flipH="1">
+            <a:off x="2752436" y="3429000"/>
+            <a:ext cx="2918691" cy="127000"/>
           </a:xfrm>
           <a:prstGeom prst="straightConnector1">
             <a:avLst/>
@@ -6676,8 +6816,8 @@
         </p:nvSpPr>
         <p:spPr>
           <a:xfrm>
-            <a:off x="4580440" y="961980"/>
-            <a:ext cx="2745371" cy="807913"/>
+            <a:off x="9038139" y="1031601"/>
+            <a:ext cx="2745371" cy="1731243"/>
           </a:xfrm>
           <a:prstGeom prst="rect">
             <a:avLst/>
@@ -6696,7 +6836,27 @@
             </a:pPr>
             <a:r>
               <a:rPr lang="en-US" sz="1200" dirty="0"/>
-              <a:t>UT2 compile directive creates extra game constructs during startup that support game events.</a:t>
+              <a:t>UT2 compile directive creates unit test environment that specifically steps through all defined unit tests.</a:t>
+            </a:r>
+          </a:p>
+          <a:p>
+            <a:pPr marL="171450" indent="-171450">
+              <a:buFont typeface="Arial" panose="020B0604020202020204" pitchFamily="34" charset="0"/>
+              <a:buChar char="•"/>
+            </a:pPr>
+            <a:r>
+              <a:rPr lang="en-US" sz="1200" dirty="0"/>
+              <a:t>Game running environment is disabled and only the unit test framework is used</a:t>
+            </a:r>
+          </a:p>
+          <a:p>
+            <a:pPr marL="171450" indent="-171450">
+              <a:buFont typeface="Arial" panose="020B0604020202020204" pitchFamily="34" charset="0"/>
+              <a:buChar char="•"/>
+            </a:pPr>
+            <a:r>
+              <a:rPr lang="en-US" sz="1200" dirty="0"/>
+              <a:t>Requires knowledge of game to understand unit tests</a:t>
             </a:r>
           </a:p>
           <a:p>
@@ -6710,10 +6870,287 @@
       </p:sp>
       <p:pic>
         <p:nvPicPr>
+          <p:cNvPr id="4" name="Picture 3">
+            <a:extLst>
+              <a:ext uri="{FF2B5EF4-FFF2-40B4-BE49-F238E27FC236}">
+                <a16:creationId xmlns:a16="http://schemas.microsoft.com/office/drawing/2014/main" id="{2F32DD03-C2BF-2FB7-E4F6-39EBC257801A}"/>
+              </a:ext>
+            </a:extLst>
+          </p:cNvPr>
+          <p:cNvPicPr>
+            <a:picLocks noChangeAspect="1"/>
+          </p:cNvPicPr>
+          <p:nvPr/>
+        </p:nvPicPr>
+        <p:blipFill>
+          <a:blip r:embed="rId4"/>
+          <a:stretch>
+            <a:fillRect/>
+          </a:stretch>
+        </p:blipFill>
+        <p:spPr>
+          <a:xfrm>
+            <a:off x="4733602" y="729025"/>
+            <a:ext cx="4171950" cy="1562100"/>
+          </a:xfrm>
+          <a:prstGeom prst="rect">
+            <a:avLst/>
+          </a:prstGeom>
+        </p:spPr>
+      </p:pic>
+    </p:spTree>
+    <p:extLst>
+      <p:ext uri="{BB962C8B-B14F-4D97-AF65-F5344CB8AC3E}">
+        <p14:creationId xmlns:p14="http://schemas.microsoft.com/office/powerpoint/2010/main" val="1185198572"/>
+      </p:ext>
+    </p:extLst>
+  </p:cSld>
+  <p:clrMapOvr>
+    <a:masterClrMapping/>
+  </p:clrMapOvr>
+</p:sld>
+</file>
+
+<file path=ppt/slides/slide22.xml><?xml version="1.0" encoding="utf-8"?>
+<p:sld xmlns:a="http://schemas.openxmlformats.org/drawingml/2006/main" xmlns:r="http://schemas.openxmlformats.org/officeDocument/2006/relationships" xmlns:p="http://schemas.openxmlformats.org/presentationml/2006/main">
+  <p:cSld>
+    <p:spTree>
+      <p:nvGrpSpPr>
+        <p:cNvPr id="1" name=""/>
+        <p:cNvGrpSpPr/>
+        <p:nvPr/>
+      </p:nvGrpSpPr>
+      <p:grpSpPr>
+        <a:xfrm>
+          <a:off x="0" y="0"/>
+          <a:ext cx="0" cy="0"/>
+          <a:chOff x="0" y="0"/>
+          <a:chExt cx="0" cy="0"/>
+        </a:xfrm>
+      </p:grpSpPr>
+      <p:sp>
+        <p:nvSpPr>
+          <p:cNvPr id="2" name="Title 1">
+            <a:extLst>
+              <a:ext uri="{FF2B5EF4-FFF2-40B4-BE49-F238E27FC236}">
+                <a16:creationId xmlns:a16="http://schemas.microsoft.com/office/drawing/2014/main" id="{A6645566-D741-F097-9EF0-B349F35D54C8}"/>
+              </a:ext>
+            </a:extLst>
+          </p:cNvPr>
+          <p:cNvSpPr>
+            <a:spLocks noGrp="1"/>
+          </p:cNvSpPr>
+          <p:nvPr>
+            <p:ph type="title"/>
+          </p:nvPr>
+        </p:nvSpPr>
+        <p:spPr>
+          <a:xfrm>
+            <a:off x="838200" y="365126"/>
+            <a:ext cx="10515600" cy="466148"/>
+          </a:xfrm>
+        </p:spPr>
+        <p:txBody>
+          <a:bodyPr>
+            <a:normAutofit fontScale="90000"/>
+          </a:bodyPr>
+          <a:lstStyle/>
+          <a:p>
+            <a:r>
+              <a:rPr lang="en-US" dirty="0"/>
+              <a:t>Unit Testing</a:t>
+            </a:r>
+          </a:p>
+        </p:txBody>
+      </p:sp>
+      <p:sp>
+        <p:nvSpPr>
+          <p:cNvPr id="10" name="TextBox 9">
+            <a:extLst>
+              <a:ext uri="{FF2B5EF4-FFF2-40B4-BE49-F238E27FC236}">
+                <a16:creationId xmlns:a16="http://schemas.microsoft.com/office/drawing/2014/main" id="{F3072C0E-DB35-93AD-0530-F95D9BB69D78}"/>
+              </a:ext>
+            </a:extLst>
+          </p:cNvPr>
+          <p:cNvSpPr txBox="1"/>
+          <p:nvPr/>
+        </p:nvSpPr>
+        <p:spPr>
+          <a:xfrm>
+            <a:off x="2395626" y="2803771"/>
+            <a:ext cx="3397539" cy="992579"/>
+          </a:xfrm>
+          <a:prstGeom prst="rect">
+            <a:avLst/>
+          </a:prstGeom>
+          <a:noFill/>
+        </p:spPr>
+        <p:txBody>
+          <a:bodyPr wrap="square" rtlCol="0">
+            <a:spAutoFit/>
+          </a:bodyPr>
+          <a:lstStyle/>
+          <a:p>
+            <a:pPr marL="171450" indent="-171450">
+              <a:buFont typeface="Arial" panose="020B0604020202020204" pitchFamily="34" charset="0"/>
+              <a:buChar char="•"/>
+            </a:pPr>
+            <a:r>
+              <a:rPr lang="en-US" sz="1200" dirty="0"/>
+              <a:t>Turns on </a:t>
+            </a:r>
+            <a:r>
+              <a:rPr lang="en-US" sz="1200" dirty="0" err="1"/>
+              <a:t>AddUnitTests</a:t>
+            </a:r>
+            <a:r>
+              <a:rPr lang="en-US" sz="1200" dirty="0"/>
+              <a:t>() during </a:t>
+            </a:r>
+            <a:r>
+              <a:rPr lang="en-US" sz="1200" dirty="0" err="1"/>
+              <a:t>IGameInstance</a:t>
+            </a:r>
+            <a:r>
+              <a:rPr lang="en-US" sz="1200" dirty="0"/>
+              <a:t> construction where specific game state can be setup for testing in the game running environment</a:t>
+            </a:r>
+          </a:p>
+          <a:p>
+            <a:pPr marL="171450" indent="-171450">
+              <a:buFont typeface="Arial" panose="020B0604020202020204" pitchFamily="34" charset="0"/>
+              <a:buChar char="•"/>
+            </a:pPr>
+            <a:endParaRPr lang="en-US" sz="1050" dirty="0"/>
+          </a:p>
+        </p:txBody>
+      </p:sp>
+      <p:cxnSp>
+        <p:nvCxnSpPr>
+          <p:cNvPr id="15" name="Straight Arrow Connector 14">
+            <a:extLst>
+              <a:ext uri="{FF2B5EF4-FFF2-40B4-BE49-F238E27FC236}">
+                <a16:creationId xmlns:a16="http://schemas.microsoft.com/office/drawing/2014/main" id="{3B709745-5978-4548-1285-5F8A448BE31E}"/>
+              </a:ext>
+            </a:extLst>
+          </p:cNvPr>
+          <p:cNvCxnSpPr>
+            <a:cxnSpLocks/>
+          </p:cNvCxnSpPr>
+          <p:nvPr/>
+        </p:nvCxnSpPr>
+        <p:spPr>
+          <a:xfrm>
+            <a:off x="4392891" y="2110349"/>
+            <a:ext cx="2005945" cy="1094764"/>
+          </a:xfrm>
+          <a:prstGeom prst="straightConnector1">
+            <a:avLst/>
+          </a:prstGeom>
+          <a:ln>
+            <a:solidFill>
+              <a:srgbClr val="FF0000"/>
+            </a:solidFill>
+            <a:tailEnd type="triangle"/>
+          </a:ln>
+        </p:spPr>
+        <p:style>
+          <a:lnRef idx="1">
+            <a:schemeClr val="accent1"/>
+          </a:lnRef>
+          <a:fillRef idx="0">
+            <a:schemeClr val="accent1"/>
+          </a:fillRef>
+          <a:effectRef idx="0">
+            <a:schemeClr val="accent1"/>
+          </a:effectRef>
+          <a:fontRef idx="minor">
+            <a:schemeClr val="tx1"/>
+          </a:fontRef>
+        </p:style>
+      </p:cxnSp>
+      <p:sp>
+        <p:nvSpPr>
+          <p:cNvPr id="18" name="TextBox 17">
+            <a:extLst>
+              <a:ext uri="{FF2B5EF4-FFF2-40B4-BE49-F238E27FC236}">
+                <a16:creationId xmlns:a16="http://schemas.microsoft.com/office/drawing/2014/main" id="{5B9E9BAB-0F97-49EE-0D05-2F5D322B8F04}"/>
+              </a:ext>
+            </a:extLst>
+          </p:cNvPr>
+          <p:cNvSpPr txBox="1"/>
+          <p:nvPr/>
+        </p:nvSpPr>
+        <p:spPr>
+          <a:xfrm>
+            <a:off x="4580440" y="961980"/>
+            <a:ext cx="2745371" cy="807913"/>
+          </a:xfrm>
+          <a:prstGeom prst="rect">
+            <a:avLst/>
+          </a:prstGeom>
+          <a:noFill/>
+        </p:spPr>
+        <p:txBody>
+          <a:bodyPr wrap="square" rtlCol="0">
+            <a:spAutoFit/>
+          </a:bodyPr>
+          <a:lstStyle/>
+          <a:p>
+            <a:pPr marL="171450" indent="-171450">
+              <a:buFont typeface="Arial" panose="020B0604020202020204" pitchFamily="34" charset="0"/>
+              <a:buChar char="•"/>
+            </a:pPr>
+            <a:r>
+              <a:rPr lang="en-US" sz="1200" dirty="0"/>
+              <a:t>UT1 compile directive creates extra game constructs during startup that support game events.</a:t>
+            </a:r>
+          </a:p>
+          <a:p>
+            <a:pPr marL="171450" indent="-171450">
+              <a:buFont typeface="Arial" panose="020B0604020202020204" pitchFamily="34" charset="0"/>
+              <a:buChar char="•"/>
+            </a:pPr>
+            <a:endParaRPr lang="en-US" sz="1050" dirty="0"/>
+          </a:p>
+        </p:txBody>
+      </p:sp>
+      <p:pic>
+        <p:nvPicPr>
           <p:cNvPr id="6" name="Picture 5">
             <a:extLst>
               <a:ext uri="{FF2B5EF4-FFF2-40B4-BE49-F238E27FC236}">
                 <a16:creationId xmlns:a16="http://schemas.microsoft.com/office/drawing/2014/main" id="{56C335BD-DF5A-327B-C2CD-830223C59A52}"/>
+              </a:ext>
+            </a:extLst>
+          </p:cNvPr>
+          <p:cNvPicPr>
+            <a:picLocks noChangeAspect="1"/>
+          </p:cNvPicPr>
+          <p:nvPr/>
+        </p:nvPicPr>
+        <p:blipFill>
+          <a:blip r:embed="rId2"/>
+          <a:stretch>
+            <a:fillRect/>
+          </a:stretch>
+        </p:blipFill>
+        <p:spPr>
+          <a:xfrm>
+            <a:off x="6398836" y="2827737"/>
+            <a:ext cx="3429000" cy="2190750"/>
+          </a:xfrm>
+          <a:prstGeom prst="rect">
+            <a:avLst/>
+          </a:prstGeom>
+        </p:spPr>
+      </p:pic>
+      <p:pic>
+        <p:nvPicPr>
+          <p:cNvPr id="20" name="Picture 19">
+            <a:extLst>
+              <a:ext uri="{FF2B5EF4-FFF2-40B4-BE49-F238E27FC236}">
+                <a16:creationId xmlns:a16="http://schemas.microsoft.com/office/drawing/2014/main" id="{84EBAF1C-5C85-C6A4-0575-CB3EFAC76224}"/>
               </a:ext>
             </a:extLst>
           </p:cNvPr>
@@ -6730,8 +7167,8 @@
         </p:blipFill>
         <p:spPr>
           <a:xfrm>
-            <a:off x="6398836" y="2827737"/>
-            <a:ext cx="3429000" cy="2190750"/>
+            <a:off x="328701" y="999773"/>
+            <a:ext cx="4133850" cy="1476375"/>
           </a:xfrm>
           <a:prstGeom prst="rect">
             <a:avLst/>
@@ -6751,7 +7188,7 @@
 </p:sld>
 </file>
 
-<file path=ppt/slides/slide22.xml><?xml version="1.0" encoding="utf-8"?>
+<file path=ppt/slides/slide23.xml><?xml version="1.0" encoding="utf-8"?>
 <p:sld xmlns:a="http://schemas.openxmlformats.org/drawingml/2006/main" xmlns:r="http://schemas.openxmlformats.org/officeDocument/2006/relationships" xmlns:p="http://schemas.openxmlformats.org/presentationml/2006/main">
   <p:cSld>
     <p:spTree>
